--- a/CSS PowerPoints/4. CSS Backgrounds.pptx
+++ b/CSS PowerPoints/4. CSS Backgrounds.pptx
@@ -5,7 +5,7 @@
     <p:sldMasterId id="2147483660" r:id="rId1"/>
   </p:sldMasterIdLst>
   <p:notesMasterIdLst>
-    <p:notesMasterId r:id="rId17"/>
+    <p:notesMasterId r:id="rId20"/>
   </p:notesMasterIdLst>
   <p:sldIdLst>
     <p:sldId id="256" r:id="rId2"/>
@@ -18,11 +18,14 @@
     <p:sldId id="266" r:id="rId9"/>
     <p:sldId id="267" r:id="rId10"/>
     <p:sldId id="265" r:id="rId11"/>
-    <p:sldId id="268" r:id="rId12"/>
-    <p:sldId id="269" r:id="rId13"/>
-    <p:sldId id="271" r:id="rId14"/>
-    <p:sldId id="270" r:id="rId15"/>
-    <p:sldId id="262" r:id="rId16"/>
+    <p:sldId id="272" r:id="rId12"/>
+    <p:sldId id="273" r:id="rId13"/>
+    <p:sldId id="268" r:id="rId14"/>
+    <p:sldId id="269" r:id="rId15"/>
+    <p:sldId id="271" r:id="rId16"/>
+    <p:sldId id="274" r:id="rId17"/>
+    <p:sldId id="270" r:id="rId18"/>
+    <p:sldId id="262" r:id="rId19"/>
   </p:sldIdLst>
   <p:sldSz cx="9144000" cy="6858000" type="screen4x3"/>
   <p:notesSz cx="6858000" cy="9144000"/>
@@ -206,7 +209,7 @@
           <a:p>
             <a:fld id="{CF895B42-5D02-4CBE-986E-085E74F67CF7}" type="datetimeFigureOut">
               <a:rPr lang="en-IN" smtClean="0"/>
-              <a:t>02-10-2021</a:t>
+              <a:t>03-10-2021</a:t>
             </a:fld>
             <a:endParaRPr lang="en-IN"/>
           </a:p>
@@ -1183,7 +1186,7 @@
           <a:p>
             <a:fld id="{4425DEEF-1BE0-4D28-8612-2669634C709D}" type="datetimeFigureOut">
               <a:rPr lang="en-IN" smtClean="0"/>
-              <a:t>02-10-2021</a:t>
+              <a:t>03-10-2021</a:t>
             </a:fld>
             <a:endParaRPr lang="en-IN"/>
           </a:p>
@@ -1379,7 +1382,7 @@
           <a:p>
             <a:fld id="{4425DEEF-1BE0-4D28-8612-2669634C709D}" type="datetimeFigureOut">
               <a:rPr lang="en-IN" smtClean="0"/>
-              <a:t>02-10-2021</a:t>
+              <a:t>03-10-2021</a:t>
             </a:fld>
             <a:endParaRPr lang="en-IN"/>
           </a:p>
@@ -1564,7 +1567,7 @@
           <a:p>
             <a:fld id="{4425DEEF-1BE0-4D28-8612-2669634C709D}" type="datetimeFigureOut">
               <a:rPr lang="en-IN" smtClean="0"/>
-              <a:t>02-10-2021</a:t>
+              <a:t>03-10-2021</a:t>
             </a:fld>
             <a:endParaRPr lang="en-IN"/>
           </a:p>
@@ -1714,7 +1717,7 @@
           <a:p>
             <a:fld id="{4425DEEF-1BE0-4D28-8612-2669634C709D}" type="datetimeFigureOut">
               <a:rPr lang="en-IN" smtClean="0"/>
-              <a:t>02-10-2021</a:t>
+              <a:t>03-10-2021</a:t>
             </a:fld>
             <a:endParaRPr lang="en-IN"/>
           </a:p>
@@ -1969,7 +1972,7 @@
           <a:p>
             <a:fld id="{4425DEEF-1BE0-4D28-8612-2669634C709D}" type="datetimeFigureOut">
               <a:rPr lang="en-IN" smtClean="0"/>
-              <a:t>02-10-2021</a:t>
+              <a:t>03-10-2021</a:t>
             </a:fld>
             <a:endParaRPr lang="en-IN"/>
           </a:p>
@@ -2378,7 +2381,7 @@
           <a:p>
             <a:fld id="{4425DEEF-1BE0-4D28-8612-2669634C709D}" type="datetimeFigureOut">
               <a:rPr lang="en-IN" smtClean="0"/>
-              <a:t>02-10-2021</a:t>
+              <a:t>03-10-2021</a:t>
             </a:fld>
             <a:endParaRPr lang="en-IN"/>
           </a:p>
@@ -2824,7 +2827,7 @@
           <a:p>
             <a:fld id="{4425DEEF-1BE0-4D28-8612-2669634C709D}" type="datetimeFigureOut">
               <a:rPr lang="en-IN" smtClean="0"/>
-              <a:t>02-10-2021</a:t>
+              <a:t>03-10-2021</a:t>
             </a:fld>
             <a:endParaRPr lang="en-IN"/>
           </a:p>
@@ -2925,7 +2928,7 @@
           <a:p>
             <a:fld id="{4425DEEF-1BE0-4D28-8612-2669634C709D}" type="datetimeFigureOut">
               <a:rPr lang="en-IN" smtClean="0"/>
-              <a:t>02-10-2021</a:t>
+              <a:t>03-10-2021</a:t>
             </a:fld>
             <a:endParaRPr lang="en-IN"/>
           </a:p>
@@ -3046,7 +3049,7 @@
           <a:p>
             <a:fld id="{4425DEEF-1BE0-4D28-8612-2669634C709D}" type="datetimeFigureOut">
               <a:rPr lang="en-IN" smtClean="0"/>
-              <a:t>02-10-2021</a:t>
+              <a:t>03-10-2021</a:t>
             </a:fld>
             <a:endParaRPr lang="en-IN"/>
           </a:p>
@@ -3320,7 +3323,7 @@
           <a:p>
             <a:fld id="{4425DEEF-1BE0-4D28-8612-2669634C709D}" type="datetimeFigureOut">
               <a:rPr lang="en-IN" smtClean="0"/>
-              <a:t>02-10-2021</a:t>
+              <a:t>03-10-2021</a:t>
             </a:fld>
             <a:endParaRPr lang="en-IN"/>
           </a:p>
@@ -3525,7 +3528,7 @@
           <a:p>
             <a:fld id="{4425DEEF-1BE0-4D28-8612-2669634C709D}" type="datetimeFigureOut">
               <a:rPr lang="en-IN" smtClean="0"/>
-              <a:t>02-10-2021</a:t>
+              <a:t>03-10-2021</a:t>
             </a:fld>
             <a:endParaRPr lang="en-IN"/>
           </a:p>
@@ -4634,7 +4637,7 @@
           <a:p>
             <a:fld id="{4425DEEF-1BE0-4D28-8612-2669634C709D}" type="datetimeFigureOut">
               <a:rPr lang="en-IN" smtClean="0"/>
-              <a:t>02-10-2021</a:t>
+              <a:t>03-10-2021</a:t>
             </a:fld>
             <a:endParaRPr lang="en-IN"/>
           </a:p>
@@ -5113,39 +5116,18 @@
                   <a:schemeClr val="tx1"/>
                 </a:solidFill>
               </a:rPr>
-              <a:t>Lesson </a:t>
-            </a:r>
+              <a:t>Lesson 4</a:t>
+            </a:r>
+          </a:p>
+          <a:p>
+            <a:pPr algn="l"/>
             <a:r>
               <a:rPr lang="en-IN" dirty="0" smtClean="0">
                 <a:solidFill>
                   <a:schemeClr val="tx1"/>
                 </a:solidFill>
               </a:rPr>
-              <a:t>4</a:t>
-            </a:r>
-            <a:endParaRPr lang="en-IN" dirty="0" smtClean="0">
-              <a:solidFill>
-                <a:schemeClr val="tx1"/>
-              </a:solidFill>
-            </a:endParaRPr>
-          </a:p>
-          <a:p>
-            <a:pPr algn="l"/>
-            <a:r>
-              <a:rPr lang="en-IN" dirty="0" smtClean="0">
-                <a:solidFill>
-                  <a:schemeClr val="tx1"/>
-                </a:solidFill>
-              </a:rPr>
-              <a:t>Backgrounds </a:t>
-            </a:r>
-            <a:r>
-              <a:rPr lang="en-IN" dirty="0" smtClean="0">
-                <a:solidFill>
-                  <a:schemeClr val="tx1"/>
-                </a:solidFill>
-              </a:rPr>
-              <a:t>in CSS</a:t>
+              <a:t>Backgrounds in CSS</a:t>
             </a:r>
             <a:endParaRPr lang="en-IN" dirty="0">
               <a:solidFill>
@@ -5312,77 +5294,8 @@
             <a:pPr algn="just"/>
             <a:r>
               <a:rPr lang="en-IN" sz="2000" dirty="0" smtClean="0"/>
-              <a:t>You have to use the url function to insert the background image. Within the function you have to specify the path and the file name. if the image is smaller than the size of the element by default the image will repeat in both the directions you can control this by the following statements.</a:t>
-            </a:r>
-          </a:p>
-          <a:p>
-            <a:r>
-              <a:rPr lang="en-US" sz="2000" dirty="0"/>
-              <a:t> </a:t>
-            </a:r>
-            <a:r>
-              <a:rPr lang="en-US" sz="2000" dirty="0">
-                <a:solidFill>
-                  <a:srgbClr val="FF0000"/>
-                </a:solidFill>
-              </a:rPr>
-              <a:t>background-repeat: repeat-y; </a:t>
-            </a:r>
-          </a:p>
-          <a:p>
-            <a:r>
-              <a:rPr lang="en-US" sz="2000" dirty="0">
-                <a:solidFill>
-                  <a:srgbClr val="FF0000"/>
-                </a:solidFill>
-              </a:rPr>
-              <a:t>  </a:t>
-            </a:r>
-            <a:r>
-              <a:rPr lang="en-US" sz="2000" dirty="0" smtClean="0">
-                <a:solidFill>
-                  <a:srgbClr val="FF0000"/>
-                </a:solidFill>
-              </a:rPr>
-              <a:t>background-repeat</a:t>
-            </a:r>
-            <a:r>
-              <a:rPr lang="en-US" sz="2000" dirty="0">
-                <a:solidFill>
-                  <a:srgbClr val="FF0000"/>
-                </a:solidFill>
-              </a:rPr>
-              <a:t>: repeat-x; </a:t>
-            </a:r>
-          </a:p>
-          <a:p>
-            <a:r>
-              <a:rPr lang="en-US" sz="2000" dirty="0">
-                <a:solidFill>
-                  <a:srgbClr val="FF0000"/>
-                </a:solidFill>
-              </a:rPr>
-              <a:t>   </a:t>
-            </a:r>
-            <a:r>
-              <a:rPr lang="en-US" sz="2000" dirty="0" smtClean="0">
-                <a:solidFill>
-                  <a:srgbClr val="FF0000"/>
-                </a:solidFill>
-              </a:rPr>
-              <a:t>background-repeat</a:t>
-            </a:r>
-            <a:r>
-              <a:rPr lang="en-US" sz="2000" dirty="0">
-                <a:solidFill>
-                  <a:srgbClr val="FF0000"/>
-                </a:solidFill>
-              </a:rPr>
-              <a:t>: no-repeat;</a:t>
-            </a:r>
-          </a:p>
-          <a:p>
-            <a:pPr algn="just"/>
+              <a:t>You have to use the url function to insert the background image. Within the function you have to specify the path and the file name. </a:t>
+            </a:r>
             <a:endParaRPr lang="en-IN" sz="2000" dirty="0"/>
           </a:p>
           <a:p>
@@ -5478,134 +5391,85 @@
         <p:spPr/>
         <p:txBody>
           <a:bodyPr>
-            <a:normAutofit fontScale="92500" lnSpcReduction="20000"/>
+            <a:normAutofit/>
           </a:bodyPr>
           <a:lstStyle/>
           <a:p>
             <a:pPr algn="just"/>
             <a:r>
+              <a:rPr lang="en-IN" sz="2000" dirty="0"/>
+              <a:t>I</a:t>
+            </a:r>
+            <a:r>
               <a:rPr lang="en-IN" sz="2000" dirty="0" smtClean="0"/>
-              <a:t>You can position the image within the element as you like. By default the position is left top. You can put the image in the top center, or top right as you like.</a:t>
-            </a:r>
-          </a:p>
-          <a:p>
-            <a:r>
-              <a:rPr lang="en-US" sz="2000" dirty="0"/>
-              <a:t>background-position: top left;/*default */</a:t>
-            </a:r>
-          </a:p>
-          <a:p>
-            <a:r>
-              <a:rPr lang="en-US" sz="2000" dirty="0" smtClean="0"/>
-              <a:t>background-position</a:t>
-            </a:r>
-            <a:r>
-              <a:rPr lang="en-US" sz="2000" dirty="0"/>
-              <a:t>: top center;</a:t>
-            </a:r>
-          </a:p>
-          <a:p>
-            <a:r>
-              <a:rPr lang="en-US" sz="2000" dirty="0" smtClean="0"/>
-              <a:t>background-position</a:t>
-            </a:r>
-            <a:r>
-              <a:rPr lang="en-US" sz="2000" dirty="0"/>
-              <a:t>: top right;</a:t>
-            </a:r>
-          </a:p>
-          <a:p>
-            <a:r>
-              <a:rPr lang="en-US" sz="2000" dirty="0" smtClean="0"/>
-              <a:t>background-position</a:t>
-            </a:r>
-            <a:r>
-              <a:rPr lang="en-US" sz="2000" dirty="0"/>
-              <a:t>: left center;</a:t>
-            </a:r>
-          </a:p>
-          <a:p>
-            <a:r>
-              <a:rPr lang="en-US" sz="2000" dirty="0" smtClean="0"/>
-              <a:t>background-position</a:t>
-            </a:r>
-            <a:r>
-              <a:rPr lang="en-US" sz="2000" dirty="0"/>
-              <a:t>: center </a:t>
-            </a:r>
-            <a:r>
-              <a:rPr lang="en-US" sz="2000" dirty="0" err="1"/>
-              <a:t>center</a:t>
-            </a:r>
-            <a:r>
-              <a:rPr lang="en-US" sz="2000" dirty="0"/>
-              <a:t>;</a:t>
-            </a:r>
-          </a:p>
-          <a:p>
-            <a:r>
-              <a:rPr lang="en-US" sz="2000" dirty="0" smtClean="0"/>
-              <a:t>background-position</a:t>
-            </a:r>
-            <a:r>
-              <a:rPr lang="en-US" sz="2000" dirty="0"/>
-              <a:t>: right center;</a:t>
-            </a:r>
-          </a:p>
-          <a:p>
-            <a:r>
-              <a:rPr lang="en-US" sz="2000" dirty="0" smtClean="0"/>
-              <a:t>background-position</a:t>
-            </a:r>
-            <a:r>
-              <a:rPr lang="en-US" sz="2000" dirty="0"/>
-              <a:t>: bottom left;</a:t>
-            </a:r>
-          </a:p>
-          <a:p>
-            <a:r>
-              <a:rPr lang="en-US" sz="2000" dirty="0" smtClean="0"/>
-              <a:t>background-position</a:t>
-            </a:r>
-            <a:r>
-              <a:rPr lang="en-US" sz="2000" dirty="0"/>
-              <a:t>: bottom center;</a:t>
-            </a:r>
-          </a:p>
-          <a:p>
-            <a:r>
-              <a:rPr lang="en-US" sz="2000" dirty="0" smtClean="0"/>
-              <a:t>background-position</a:t>
-            </a:r>
-            <a:r>
-              <a:rPr lang="en-US" sz="2000" dirty="0"/>
-              <a:t>: bottom right</a:t>
-            </a:r>
-            <a:r>
-              <a:rPr lang="en-US" sz="2000" dirty="0" smtClean="0"/>
-              <a:t>;</a:t>
-            </a:r>
-          </a:p>
-          <a:p>
-            <a:r>
-              <a:rPr lang="en-US" sz="2000" dirty="0" smtClean="0"/>
-              <a:t>Note: you can right left center or center left, both will give the same result.</a:t>
-            </a:r>
-          </a:p>
-          <a:p>
-            <a:r>
-              <a:rPr lang="en-US" sz="2000" dirty="0"/>
-              <a:t>If you only specify one </a:t>
-            </a:r>
-            <a:r>
-              <a:rPr lang="en-US" sz="2000" dirty="0" smtClean="0"/>
-              <a:t>keyword i.e. bottom, </a:t>
-            </a:r>
-            <a:r>
-              <a:rPr lang="en-US" sz="2000" dirty="0"/>
-              <a:t>the other value will be "center"</a:t>
-            </a:r>
-            <a:endParaRPr lang="en-US" sz="2000" dirty="0"/>
+              <a:t>f </a:t>
+            </a:r>
+            <a:r>
+              <a:rPr lang="en-IN" sz="2000" dirty="0"/>
+              <a:t>the image is smaller than the size of the element by default the image will repeat in both the directions you can control </a:t>
+            </a:r>
+            <a:r>
+              <a:rPr lang="en-IN" sz="2000" dirty="0" smtClean="0"/>
+              <a:t>how the image will get repeated, either horizontally or vertically or both by this following properties.</a:t>
+            </a:r>
+            <a:endParaRPr lang="en-IN" sz="2000" dirty="0"/>
+          </a:p>
+          <a:p>
+            <a:pPr lvl="1"/>
+            <a:r>
+              <a:rPr lang="en-US" sz="1600" dirty="0"/>
+              <a:t> </a:t>
+            </a:r>
+            <a:r>
+              <a:rPr lang="en-US" sz="1600" dirty="0">
+                <a:solidFill>
+                  <a:srgbClr val="FF0000"/>
+                </a:solidFill>
+              </a:rPr>
+              <a:t>background-repeat: repeat-y; </a:t>
+            </a:r>
+          </a:p>
+          <a:p>
+            <a:pPr lvl="1"/>
+            <a:r>
+              <a:rPr lang="en-US" sz="1600" dirty="0">
+                <a:solidFill>
+                  <a:srgbClr val="FF0000"/>
+                </a:solidFill>
+              </a:rPr>
+              <a:t> background-repeat: repeat-x; </a:t>
+            </a:r>
+          </a:p>
+          <a:p>
+            <a:pPr lvl="1"/>
+            <a:r>
+              <a:rPr lang="en-US" sz="1600" dirty="0">
+                <a:solidFill>
+                  <a:srgbClr val="FF0000"/>
+                </a:solidFill>
+              </a:rPr>
+              <a:t> </a:t>
+            </a:r>
+            <a:r>
+              <a:rPr lang="en-US" sz="1600" dirty="0" smtClean="0">
+                <a:solidFill>
+                  <a:srgbClr val="FF0000"/>
+                </a:solidFill>
+              </a:rPr>
+              <a:t>background-repeat</a:t>
+            </a:r>
+            <a:r>
+              <a:rPr lang="en-US" sz="1600" dirty="0">
+                <a:solidFill>
+                  <a:srgbClr val="FF0000"/>
+                </a:solidFill>
+              </a:rPr>
+              <a:t>: no-repeat;</a:t>
+            </a:r>
+          </a:p>
+          <a:p>
+            <a:pPr algn="just"/>
+            <a:endParaRPr lang="en-IN" sz="2000" dirty="0" smtClean="0"/>
           </a:p>
           <a:p>
             <a:pPr algn="just"/>
@@ -5648,7 +5512,7 @@
           <a:p>
             <a:r>
               <a:rPr lang="en-IN" dirty="0" smtClean="0"/>
-              <a:t>Background-position</a:t>
+              <a:t>Background-repeat</a:t>
             </a:r>
             <a:endParaRPr lang="en-IN" dirty="0"/>
           </a:p>
@@ -5657,7 +5521,7 @@
     </p:spTree>
     <p:extLst>
       <p:ext uri="{BB962C8B-B14F-4D97-AF65-F5344CB8AC3E}">
-        <p14:creationId xmlns:p14="http://schemas.microsoft.com/office/powerpoint/2010/main" val="1775732627"/>
+        <p14:creationId xmlns:p14="http://schemas.microsoft.com/office/powerpoint/2010/main" val="5309619"/>
       </p:ext>
     </p:extLst>
   </p:cSld>
@@ -5710,105 +5574,71 @@
           <a:p>
             <a:pPr algn="just"/>
             <a:r>
+              <a:rPr lang="en-US" sz="2000" dirty="0" smtClean="0"/>
+              <a:t>The </a:t>
+            </a:r>
+            <a:r>
               <a:rPr lang="en-US" sz="2000" dirty="0"/>
-              <a:t>The </a:t>
-            </a:r>
-            <a:r>
-              <a:rPr lang="en-US" sz="2000" b="1" dirty="0">
-                <a:hlinkClick r:id="rId2"/>
-              </a:rPr>
-              <a:t>background-size</a:t>
-            </a:r>
-            <a:r>
-              <a:rPr lang="en-US" sz="2000" dirty="0"/>
-              <a:t> CSS property lets you resize the background image of an element, overriding the default behavior of tiling the image at its full size by specifying the width and/or height of the image. By doing so, you can scale the image upward or downward as desired</a:t>
-            </a:r>
-            <a:r>
-              <a:rPr lang="en-US" sz="2000" dirty="0" smtClean="0"/>
-              <a:t>.</a:t>
-            </a:r>
-          </a:p>
-          <a:p>
-            <a:r>
-              <a:rPr lang="en-US" sz="2000" dirty="0"/>
+              <a:t>background-attachment property sets whether a background image scrolls with the rest of the page, or is fixed.</a:t>
+            </a:r>
+            <a:r>
+              <a:rPr lang="en-US" sz="1600" dirty="0"/>
               <a:t> </a:t>
             </a:r>
-            <a:r>
-              <a:rPr lang="en-US" sz="2000" dirty="0">
-                <a:solidFill>
-                  <a:srgbClr val="FF0000"/>
-                </a:solidFill>
-              </a:rPr>
-              <a:t>background-size: 500px </a:t>
-            </a:r>
-            <a:r>
-              <a:rPr lang="en-US" sz="2000" dirty="0">
-                <a:solidFill>
-                  <a:srgbClr val="FF0000"/>
-                </a:solidFill>
-              </a:rPr>
-              <a:t>500px</a:t>
-            </a:r>
-            <a:r>
-              <a:rPr lang="en-US" sz="2000" dirty="0">
-                <a:solidFill>
-                  <a:srgbClr val="FF0000"/>
-                </a:solidFill>
-              </a:rPr>
-              <a:t>; </a:t>
-            </a:r>
-          </a:p>
-          <a:p>
-            <a:r>
-              <a:rPr lang="en-US" sz="2000" dirty="0">
-                <a:solidFill>
-                  <a:srgbClr val="FF0000"/>
-                </a:solidFill>
-              </a:rPr>
-              <a:t> </a:t>
-            </a:r>
-            <a:r>
-              <a:rPr lang="en-US" sz="2000" dirty="0" smtClean="0">
-                <a:solidFill>
-                  <a:srgbClr val="FF0000"/>
-                </a:solidFill>
-              </a:rPr>
-              <a:t>background-size</a:t>
-            </a:r>
-            <a:r>
-              <a:rPr lang="en-US" sz="2000" dirty="0">
-                <a:solidFill>
-                  <a:srgbClr val="FF0000"/>
-                </a:solidFill>
-              </a:rPr>
-              <a:t>: contain;</a:t>
-            </a:r>
-          </a:p>
-          <a:p>
-            <a:r>
-              <a:rPr lang="en-US" sz="2000" dirty="0">
-                <a:solidFill>
-                  <a:srgbClr val="FF0000"/>
-                </a:solidFill>
-              </a:rPr>
-              <a:t> </a:t>
-            </a:r>
-            <a:r>
-              <a:rPr lang="en-US" sz="2000" dirty="0" smtClean="0">
-                <a:solidFill>
-                  <a:srgbClr val="FF0000"/>
-                </a:solidFill>
-              </a:rPr>
-              <a:t>background-size</a:t>
-            </a:r>
-            <a:r>
-              <a:rPr lang="en-US" sz="2000" dirty="0">
-                <a:solidFill>
-                  <a:srgbClr val="FF0000"/>
-                </a:solidFill>
-              </a:rPr>
-              <a:t>: cover; </a:t>
-            </a:r>
+            <a:endParaRPr lang="en-US" sz="1600" dirty="0" smtClean="0"/>
+          </a:p>
+          <a:p>
+            <a:pPr lvl="1" algn="just"/>
+            <a:r>
+              <a:rPr lang="en-US" sz="1800" dirty="0"/>
+              <a:t>background-attachment</a:t>
+            </a:r>
+            <a:r>
+              <a:rPr lang="en-US" sz="1800" dirty="0"/>
+              <a:t>: fixed</a:t>
+            </a:r>
+            <a:r>
+              <a:rPr lang="en-US" sz="1800" dirty="0"/>
+              <a:t>;</a:t>
+            </a:r>
+          </a:p>
+          <a:p>
+            <a:pPr lvl="1" algn="just"/>
+            <a:r>
+              <a:rPr lang="en-US" sz="1800" dirty="0"/>
+              <a:t>background-attachment: </a:t>
+            </a:r>
+            <a:r>
+              <a:rPr lang="en-US" sz="1800" dirty="0"/>
+              <a:t>scroll;</a:t>
+            </a:r>
+          </a:p>
+          <a:p>
+            <a:pPr lvl="1" algn="just"/>
+            <a:r>
+              <a:rPr lang="en-US" sz="1800" dirty="0"/>
+              <a:t>background-attachment: </a:t>
+            </a:r>
+            <a:r>
+              <a:rPr lang="en-US" sz="1800" dirty="0"/>
+              <a:t>local;</a:t>
+            </a:r>
+          </a:p>
+          <a:p>
+            <a:pPr lvl="3" algn="just"/>
+            <a:endParaRPr lang="en-US" sz="800" dirty="0"/>
+          </a:p>
+          <a:p>
+            <a:pPr algn="just"/>
+            <a:endParaRPr lang="en-US" sz="1600" dirty="0"/>
+          </a:p>
+          <a:p>
+            <a:pPr algn="just"/>
+            <a:endParaRPr lang="en-US" sz="1600" dirty="0" smtClean="0"/>
+          </a:p>
+          <a:p>
+            <a:pPr algn="just"/>
+            <a:endParaRPr lang="en-IN" sz="2000" dirty="0" smtClean="0"/>
           </a:p>
           <a:p>
             <a:pPr algn="just"/>
@@ -5851,7 +5681,7 @@
           <a:p>
             <a:r>
               <a:rPr lang="en-IN" dirty="0" smtClean="0"/>
-              <a:t>Background-size</a:t>
+              <a:t>Background-attachment</a:t>
             </a:r>
             <a:endParaRPr lang="en-IN" dirty="0"/>
           </a:p>
@@ -5860,7 +5690,7 @@
     </p:spTree>
     <p:extLst>
       <p:ext uri="{BB962C8B-B14F-4D97-AF65-F5344CB8AC3E}">
-        <p14:creationId xmlns:p14="http://schemas.microsoft.com/office/powerpoint/2010/main" val="3363718636"/>
+        <p14:creationId xmlns:p14="http://schemas.microsoft.com/office/powerpoint/2010/main" val="2245874098"/>
       </p:ext>
     </p:extLst>
   </p:cSld>
@@ -5907,89 +5737,141 @@
         <p:spPr/>
         <p:txBody>
           <a:bodyPr>
-            <a:normAutofit/>
+            <a:normAutofit fontScale="92500" lnSpcReduction="20000"/>
           </a:bodyPr>
           <a:lstStyle/>
           <a:p>
             <a:pPr algn="just"/>
             <a:r>
+              <a:rPr lang="en-IN" sz="2000" dirty="0" smtClean="0"/>
+              <a:t>You can position the image within the element as you like. By default the position is left top. You can put the image in the top center, or top right as you like.</a:t>
+            </a:r>
+          </a:p>
+          <a:p>
+            <a:r>
+              <a:rPr lang="en-US" sz="2000" dirty="0"/>
+              <a:t>background-position: top left;/*default */</a:t>
+            </a:r>
+          </a:p>
+          <a:p>
+            <a:r>
               <a:rPr lang="en-US" sz="2000" dirty="0" smtClean="0"/>
-              <a:t>The </a:t>
+              <a:t>background-position</a:t>
             </a:r>
             <a:r>
               <a:rPr lang="en-US" sz="2000" dirty="0"/>
-              <a:t>background-clip CSS property sets whether an element's background extends underneath its border box, padding box, or content box</a:t>
-            </a:r>
+              <a:t>: top center;</a:t>
+            </a:r>
+          </a:p>
+          <a:p>
             <a:r>
               <a:rPr lang="en-US" sz="2000" dirty="0" smtClean="0"/>
-              <a:t>. We shall be learning about margin, padding, borders in our up coming videos.</a:t>
-            </a:r>
-          </a:p>
-          <a:p>
-            <a:r>
-              <a:rPr lang="en-US" dirty="0"/>
-              <a:t> </a:t>
-            </a:r>
-            <a:r>
-              <a:rPr lang="en-US" dirty="0">
-                <a:solidFill>
-                  <a:schemeClr val="accent2"/>
-                </a:solidFill>
-              </a:rPr>
-              <a:t>background-clip: border-box;</a:t>
-            </a:r>
-          </a:p>
-          <a:p>
-            <a:r>
-              <a:rPr lang="en-US" dirty="0">
-                <a:solidFill>
-                  <a:schemeClr val="accent2"/>
-                </a:solidFill>
-              </a:rPr>
-              <a:t> </a:t>
-            </a:r>
-            <a:r>
-              <a:rPr lang="en-US" dirty="0" smtClean="0">
-                <a:solidFill>
-                  <a:schemeClr val="accent2"/>
-                </a:solidFill>
-              </a:rPr>
-              <a:t>background-clip</a:t>
-            </a:r>
-            <a:r>
-              <a:rPr lang="en-US" dirty="0">
-                <a:solidFill>
-                  <a:schemeClr val="accent2"/>
-                </a:solidFill>
-              </a:rPr>
-              <a:t>: padding-box;</a:t>
-            </a:r>
-          </a:p>
-          <a:p>
-            <a:r>
-              <a:rPr lang="en-US" dirty="0">
-                <a:solidFill>
-                  <a:schemeClr val="accent2"/>
-                </a:solidFill>
-              </a:rPr>
-              <a:t> </a:t>
-            </a:r>
-            <a:r>
-              <a:rPr lang="en-US" dirty="0" smtClean="0">
-                <a:solidFill>
-                  <a:schemeClr val="accent2"/>
-                </a:solidFill>
-              </a:rPr>
-              <a:t>background-clip</a:t>
-            </a:r>
-            <a:r>
-              <a:rPr lang="en-US" dirty="0">
-                <a:solidFill>
-                  <a:schemeClr val="accent2"/>
-                </a:solidFill>
-              </a:rPr>
-              <a:t>: content-box;</a:t>
-            </a:r>
+              <a:t>background-position</a:t>
+            </a:r>
+            <a:r>
+              <a:rPr lang="en-US" sz="2000" dirty="0"/>
+              <a:t>: top right;</a:t>
+            </a:r>
+          </a:p>
+          <a:p>
+            <a:r>
+              <a:rPr lang="en-US" sz="2000" dirty="0" smtClean="0"/>
+              <a:t>background-position</a:t>
+            </a:r>
+            <a:r>
+              <a:rPr lang="en-US" sz="2000" dirty="0"/>
+              <a:t>: left center;</a:t>
+            </a:r>
+          </a:p>
+          <a:p>
+            <a:r>
+              <a:rPr lang="en-US" sz="2000" dirty="0" smtClean="0"/>
+              <a:t>background-position</a:t>
+            </a:r>
+            <a:r>
+              <a:rPr lang="en-US" sz="2000" dirty="0"/>
+              <a:t>: center </a:t>
+            </a:r>
+            <a:r>
+              <a:rPr lang="en-US" sz="2000" dirty="0" err="1"/>
+              <a:t>center</a:t>
+            </a:r>
+            <a:r>
+              <a:rPr lang="en-US" sz="2000" dirty="0"/>
+              <a:t>;</a:t>
+            </a:r>
+          </a:p>
+          <a:p>
+            <a:r>
+              <a:rPr lang="en-US" sz="2000" dirty="0" smtClean="0"/>
+              <a:t>background-position</a:t>
+            </a:r>
+            <a:r>
+              <a:rPr lang="en-US" sz="2000" dirty="0"/>
+              <a:t>: right center;</a:t>
+            </a:r>
+          </a:p>
+          <a:p>
+            <a:r>
+              <a:rPr lang="en-US" sz="2000" dirty="0" smtClean="0"/>
+              <a:t>background-position</a:t>
+            </a:r>
+            <a:r>
+              <a:rPr lang="en-US" sz="2000" dirty="0"/>
+              <a:t>: bottom left;</a:t>
+            </a:r>
+          </a:p>
+          <a:p>
+            <a:r>
+              <a:rPr lang="en-US" sz="2000" dirty="0" smtClean="0"/>
+              <a:t>background-position</a:t>
+            </a:r>
+            <a:r>
+              <a:rPr lang="en-US" sz="2000" dirty="0"/>
+              <a:t>: bottom center;</a:t>
+            </a:r>
+          </a:p>
+          <a:p>
+            <a:r>
+              <a:rPr lang="en-US" sz="2000" dirty="0" smtClean="0"/>
+              <a:t>background-position</a:t>
+            </a:r>
+            <a:r>
+              <a:rPr lang="en-US" sz="2000" dirty="0"/>
+              <a:t>: bottom right</a:t>
+            </a:r>
+            <a:r>
+              <a:rPr lang="en-US" sz="2000" dirty="0" smtClean="0"/>
+              <a:t>;</a:t>
+            </a:r>
+          </a:p>
+          <a:p>
+            <a:r>
+              <a:rPr lang="en-US" sz="2000" dirty="0" smtClean="0"/>
+              <a:t>Note: you can right left center or center left, both will give the same result.</a:t>
+            </a:r>
+          </a:p>
+          <a:p>
+            <a:r>
+              <a:rPr lang="en-US" sz="2000" dirty="0"/>
+              <a:t>If you only specify one </a:t>
+            </a:r>
+            <a:r>
+              <a:rPr lang="en-US" sz="2000" dirty="0" smtClean="0"/>
+              <a:t>keyword i.e. bottom, </a:t>
+            </a:r>
+            <a:r>
+              <a:rPr lang="en-US" sz="2000" dirty="0"/>
+              <a:t>the other value will be "center"</a:t>
+            </a:r>
+          </a:p>
+          <a:p>
+            <a:pPr algn="just"/>
+            <a:endParaRPr lang="en-IN" sz="2000" dirty="0"/>
+          </a:p>
+          <a:p>
+            <a:pPr algn="just"/>
+            <a:endParaRPr lang="en-IN" dirty="0"/>
           </a:p>
           <a:p>
             <a:pPr algn="just"/>
@@ -6024,7 +5906,7 @@
           <a:p>
             <a:r>
               <a:rPr lang="en-IN" dirty="0" smtClean="0"/>
-              <a:t>Background-clip</a:t>
+              <a:t>Background-position</a:t>
             </a:r>
             <a:endParaRPr lang="en-IN" dirty="0"/>
           </a:p>
@@ -6033,7 +5915,7 @@
     </p:spTree>
     <p:extLst>
       <p:ext uri="{BB962C8B-B14F-4D97-AF65-F5344CB8AC3E}">
-        <p14:creationId xmlns:p14="http://schemas.microsoft.com/office/powerpoint/2010/main" val="3178334899"/>
+        <p14:creationId xmlns:p14="http://schemas.microsoft.com/office/powerpoint/2010/main" val="1775732627"/>
       </p:ext>
     </p:extLst>
   </p:cSld>
@@ -6086,6 +5968,556 @@
           <a:p>
             <a:pPr algn="just"/>
             <a:r>
+              <a:rPr lang="en-US" sz="2000" dirty="0"/>
+              <a:t>The </a:t>
+            </a:r>
+            <a:r>
+              <a:rPr lang="en-US" sz="2000" b="1" dirty="0">
+                <a:hlinkClick r:id="rId2"/>
+              </a:rPr>
+              <a:t>background-size</a:t>
+            </a:r>
+            <a:r>
+              <a:rPr lang="en-US" sz="2000" dirty="0"/>
+              <a:t> CSS property lets you resize the background image of an element, overriding the default behavior of tiling the image at its full size by specifying the width and/or height of the image. By doing so, you can scale the image upward or downward as desired</a:t>
+            </a:r>
+            <a:r>
+              <a:rPr lang="en-US" sz="2000" dirty="0" smtClean="0"/>
+              <a:t>.</a:t>
+            </a:r>
+          </a:p>
+          <a:p>
+            <a:r>
+              <a:rPr lang="en-US" sz="2000" dirty="0"/>
+              <a:t> </a:t>
+            </a:r>
+            <a:r>
+              <a:rPr lang="en-US" sz="2000" dirty="0">
+                <a:solidFill>
+                  <a:srgbClr val="FF0000"/>
+                </a:solidFill>
+              </a:rPr>
+              <a:t>background-size: 500px 500px; </a:t>
+            </a:r>
+          </a:p>
+          <a:p>
+            <a:r>
+              <a:rPr lang="en-US" sz="2000" dirty="0">
+                <a:solidFill>
+                  <a:srgbClr val="FF0000"/>
+                </a:solidFill>
+              </a:rPr>
+              <a:t> </a:t>
+            </a:r>
+            <a:r>
+              <a:rPr lang="en-US" sz="2000" dirty="0" smtClean="0">
+                <a:solidFill>
+                  <a:srgbClr val="FF0000"/>
+                </a:solidFill>
+              </a:rPr>
+              <a:t>background-size</a:t>
+            </a:r>
+            <a:r>
+              <a:rPr lang="en-US" sz="2000" dirty="0">
+                <a:solidFill>
+                  <a:srgbClr val="FF0000"/>
+                </a:solidFill>
+              </a:rPr>
+              <a:t>: contain;</a:t>
+            </a:r>
+          </a:p>
+          <a:p>
+            <a:r>
+              <a:rPr lang="en-US" sz="2000" dirty="0">
+                <a:solidFill>
+                  <a:srgbClr val="FF0000"/>
+                </a:solidFill>
+              </a:rPr>
+              <a:t> </a:t>
+            </a:r>
+            <a:r>
+              <a:rPr lang="en-US" sz="2000" dirty="0" smtClean="0">
+                <a:solidFill>
+                  <a:srgbClr val="FF0000"/>
+                </a:solidFill>
+              </a:rPr>
+              <a:t>background-size</a:t>
+            </a:r>
+            <a:r>
+              <a:rPr lang="en-US" sz="2000" dirty="0">
+                <a:solidFill>
+                  <a:srgbClr val="FF0000"/>
+                </a:solidFill>
+              </a:rPr>
+              <a:t>: cover; </a:t>
+            </a:r>
+          </a:p>
+          <a:p>
+            <a:pPr algn="just"/>
+            <a:endParaRPr lang="en-IN" sz="2000" dirty="0"/>
+          </a:p>
+          <a:p>
+            <a:pPr algn="just"/>
+            <a:endParaRPr lang="en-IN" dirty="0"/>
+          </a:p>
+          <a:p>
+            <a:pPr algn="just"/>
+            <a:endParaRPr lang="en-IN" dirty="0" smtClean="0"/>
+          </a:p>
+          <a:p>
+            <a:pPr algn="just"/>
+            <a:endParaRPr lang="en-IN" dirty="0" smtClean="0"/>
+          </a:p>
+          <a:p>
+            <a:pPr algn="just"/>
+            <a:endParaRPr lang="en-IN" dirty="0"/>
+          </a:p>
+        </p:txBody>
+      </p:sp>
+      <p:sp>
+        <p:nvSpPr>
+          <p:cNvPr id="2" name="Title 1"/>
+          <p:cNvSpPr>
+            <a:spLocks noGrp="1"/>
+          </p:cNvSpPr>
+          <p:nvPr>
+            <p:ph type="title"/>
+          </p:nvPr>
+        </p:nvSpPr>
+        <p:spPr/>
+        <p:txBody>
+          <a:bodyPr>
+            <a:normAutofit/>
+          </a:bodyPr>
+          <a:lstStyle/>
+          <a:p>
+            <a:r>
+              <a:rPr lang="en-IN" dirty="0" smtClean="0"/>
+              <a:t>Background-size</a:t>
+            </a:r>
+            <a:endParaRPr lang="en-IN" dirty="0"/>
+          </a:p>
+        </p:txBody>
+      </p:sp>
+    </p:spTree>
+    <p:extLst>
+      <p:ext uri="{BB962C8B-B14F-4D97-AF65-F5344CB8AC3E}">
+        <p14:creationId xmlns:p14="http://schemas.microsoft.com/office/powerpoint/2010/main" val="3363718636"/>
+      </p:ext>
+    </p:extLst>
+  </p:cSld>
+  <p:clrMapOvr>
+    <a:masterClrMapping/>
+  </p:clrMapOvr>
+  <p:timing>
+    <p:tnLst>
+      <p:par>
+        <p:cTn id="1" dur="indefinite" restart="never" nodeType="tmRoot"/>
+      </p:par>
+    </p:tnLst>
+  </p:timing>
+</p:sld>
+</file>
+
+<file path=ppt/slides/slide15.xml><?xml version="1.0" encoding="utf-8"?>
+<p:sld xmlns:a="http://schemas.openxmlformats.org/drawingml/2006/main" xmlns:r="http://schemas.openxmlformats.org/officeDocument/2006/relationships" xmlns:p="http://schemas.openxmlformats.org/presentationml/2006/main">
+  <p:cSld>
+    <p:spTree>
+      <p:nvGrpSpPr>
+        <p:cNvPr id="1" name=""/>
+        <p:cNvGrpSpPr/>
+        <p:nvPr/>
+      </p:nvGrpSpPr>
+      <p:grpSpPr>
+        <a:xfrm>
+          <a:off x="0" y="0"/>
+          <a:ext cx="0" cy="0"/>
+          <a:chOff x="0" y="0"/>
+          <a:chExt cx="0" cy="0"/>
+        </a:xfrm>
+      </p:grpSpPr>
+      <p:sp>
+        <p:nvSpPr>
+          <p:cNvPr id="3" name="Content Placeholder 2"/>
+          <p:cNvSpPr>
+            <a:spLocks noGrp="1"/>
+          </p:cNvSpPr>
+          <p:nvPr>
+            <p:ph idx="1"/>
+          </p:nvPr>
+        </p:nvSpPr>
+        <p:spPr/>
+        <p:txBody>
+          <a:bodyPr>
+            <a:normAutofit/>
+          </a:bodyPr>
+          <a:lstStyle/>
+          <a:p>
+            <a:pPr algn="just"/>
+            <a:r>
+              <a:rPr lang="en-US" sz="2000" dirty="0" smtClean="0"/>
+              <a:t>The </a:t>
+            </a:r>
+            <a:r>
+              <a:rPr lang="en-US" sz="2000" dirty="0"/>
+              <a:t>background-clip CSS property sets whether an element's background extends underneath its border box, padding box, or content box</a:t>
+            </a:r>
+            <a:r>
+              <a:rPr lang="en-US" sz="2000" dirty="0" smtClean="0"/>
+              <a:t>. We shall be learning about margin, padding, borders in our up coming videos.</a:t>
+            </a:r>
+          </a:p>
+          <a:p>
+            <a:r>
+              <a:rPr lang="en-US" dirty="0"/>
+              <a:t> </a:t>
+            </a:r>
+            <a:r>
+              <a:rPr lang="en-US" dirty="0">
+                <a:solidFill>
+                  <a:schemeClr val="accent2"/>
+                </a:solidFill>
+              </a:rPr>
+              <a:t>background-clip: border-box;</a:t>
+            </a:r>
+          </a:p>
+          <a:p>
+            <a:r>
+              <a:rPr lang="en-US" dirty="0">
+                <a:solidFill>
+                  <a:schemeClr val="accent2"/>
+                </a:solidFill>
+              </a:rPr>
+              <a:t> </a:t>
+            </a:r>
+            <a:r>
+              <a:rPr lang="en-US" dirty="0" smtClean="0">
+                <a:solidFill>
+                  <a:schemeClr val="accent2"/>
+                </a:solidFill>
+              </a:rPr>
+              <a:t>background-clip</a:t>
+            </a:r>
+            <a:r>
+              <a:rPr lang="en-US" dirty="0">
+                <a:solidFill>
+                  <a:schemeClr val="accent2"/>
+                </a:solidFill>
+              </a:rPr>
+              <a:t>: padding-box;</a:t>
+            </a:r>
+          </a:p>
+          <a:p>
+            <a:r>
+              <a:rPr lang="en-US" dirty="0">
+                <a:solidFill>
+                  <a:schemeClr val="accent2"/>
+                </a:solidFill>
+              </a:rPr>
+              <a:t> </a:t>
+            </a:r>
+            <a:r>
+              <a:rPr lang="en-US" dirty="0" smtClean="0">
+                <a:solidFill>
+                  <a:schemeClr val="accent2"/>
+                </a:solidFill>
+              </a:rPr>
+              <a:t>background-clip</a:t>
+            </a:r>
+            <a:r>
+              <a:rPr lang="en-US" dirty="0">
+                <a:solidFill>
+                  <a:schemeClr val="accent2"/>
+                </a:solidFill>
+              </a:rPr>
+              <a:t>: content-box;</a:t>
+            </a:r>
+          </a:p>
+          <a:p>
+            <a:pPr algn="just"/>
+            <a:endParaRPr lang="en-IN" dirty="0" smtClean="0"/>
+          </a:p>
+          <a:p>
+            <a:pPr algn="just"/>
+            <a:endParaRPr lang="en-IN" dirty="0" smtClean="0"/>
+          </a:p>
+          <a:p>
+            <a:pPr algn="just"/>
+            <a:endParaRPr lang="en-IN" dirty="0"/>
+          </a:p>
+        </p:txBody>
+      </p:sp>
+      <p:sp>
+        <p:nvSpPr>
+          <p:cNvPr id="2" name="Title 1"/>
+          <p:cNvSpPr>
+            <a:spLocks noGrp="1"/>
+          </p:cNvSpPr>
+          <p:nvPr>
+            <p:ph type="title"/>
+          </p:nvPr>
+        </p:nvSpPr>
+        <p:spPr/>
+        <p:txBody>
+          <a:bodyPr>
+            <a:normAutofit/>
+          </a:bodyPr>
+          <a:lstStyle/>
+          <a:p>
+            <a:r>
+              <a:rPr lang="en-IN" dirty="0" smtClean="0"/>
+              <a:t>Background-clip</a:t>
+            </a:r>
+            <a:endParaRPr lang="en-IN" dirty="0"/>
+          </a:p>
+        </p:txBody>
+      </p:sp>
+    </p:spTree>
+    <p:extLst>
+      <p:ext uri="{BB962C8B-B14F-4D97-AF65-F5344CB8AC3E}">
+        <p14:creationId xmlns:p14="http://schemas.microsoft.com/office/powerpoint/2010/main" val="3178334899"/>
+      </p:ext>
+    </p:extLst>
+  </p:cSld>
+  <p:clrMapOvr>
+    <a:masterClrMapping/>
+  </p:clrMapOvr>
+  <p:timing>
+    <p:tnLst>
+      <p:par>
+        <p:cTn id="1" dur="indefinite" restart="never" nodeType="tmRoot"/>
+      </p:par>
+    </p:tnLst>
+  </p:timing>
+</p:sld>
+</file>
+
+<file path=ppt/slides/slide16.xml><?xml version="1.0" encoding="utf-8"?>
+<p:sld xmlns:a="http://schemas.openxmlformats.org/drawingml/2006/main" xmlns:r="http://schemas.openxmlformats.org/officeDocument/2006/relationships" xmlns:p="http://schemas.openxmlformats.org/presentationml/2006/main">
+  <p:cSld>
+    <p:spTree>
+      <p:nvGrpSpPr>
+        <p:cNvPr id="1" name=""/>
+        <p:cNvGrpSpPr/>
+        <p:nvPr/>
+      </p:nvGrpSpPr>
+      <p:grpSpPr>
+        <a:xfrm>
+          <a:off x="0" y="0"/>
+          <a:ext cx="0" cy="0"/>
+          <a:chOff x="0" y="0"/>
+          <a:chExt cx="0" cy="0"/>
+        </a:xfrm>
+      </p:grpSpPr>
+      <p:sp>
+        <p:nvSpPr>
+          <p:cNvPr id="3" name="Content Placeholder 2"/>
+          <p:cNvSpPr>
+            <a:spLocks noGrp="1"/>
+          </p:cNvSpPr>
+          <p:nvPr>
+            <p:ph idx="1"/>
+          </p:nvPr>
+        </p:nvSpPr>
+        <p:spPr/>
+        <p:txBody>
+          <a:bodyPr>
+            <a:normAutofit/>
+          </a:bodyPr>
+          <a:lstStyle/>
+          <a:p>
+            <a:pPr algn="just"/>
+            <a:r>
+              <a:rPr lang="en-US" sz="2000" dirty="0" smtClean="0"/>
+              <a:t>The </a:t>
+            </a:r>
+            <a:r>
+              <a:rPr lang="en-US" sz="2000" dirty="0" smtClean="0"/>
+              <a:t>background-origin </a:t>
+            </a:r>
+            <a:r>
+              <a:rPr lang="en-US" sz="2000" dirty="0"/>
+              <a:t>CSS property </a:t>
+            </a:r>
+            <a:r>
+              <a:rPr lang="en-US" sz="2000" dirty="0"/>
+              <a:t>specifies the origin position (the background positioning area) of a background image</a:t>
+            </a:r>
+            <a:r>
+              <a:rPr lang="en-US" sz="2000" dirty="0" smtClean="0"/>
+              <a:t>.</a:t>
+            </a:r>
+          </a:p>
+          <a:p>
+            <a:pPr algn="just"/>
+            <a:r>
+              <a:rPr lang="en-US" dirty="0"/>
+              <a:t> </a:t>
+            </a:r>
+            <a:r>
+              <a:rPr lang="en-US" dirty="0" smtClean="0">
+                <a:solidFill>
+                  <a:schemeClr val="accent2"/>
+                </a:solidFill>
+              </a:rPr>
+              <a:t>background-origin:</a:t>
+            </a:r>
+            <a:r>
+              <a:rPr lang="en-US" dirty="0">
+                <a:solidFill>
+                  <a:schemeClr val="accent2"/>
+                </a:solidFill>
+              </a:rPr>
+              <a:t> border-box;</a:t>
+            </a:r>
+          </a:p>
+          <a:p>
+            <a:r>
+              <a:rPr lang="en-US" dirty="0">
+                <a:solidFill>
+                  <a:schemeClr val="accent2"/>
+                </a:solidFill>
+              </a:rPr>
+              <a:t> </a:t>
+            </a:r>
+            <a:r>
+              <a:rPr lang="en-US" dirty="0" smtClean="0">
+                <a:solidFill>
+                  <a:schemeClr val="accent2"/>
+                </a:solidFill>
+              </a:rPr>
+              <a:t>background-origin:</a:t>
+            </a:r>
+            <a:r>
+              <a:rPr lang="en-US" dirty="0">
+                <a:solidFill>
+                  <a:schemeClr val="accent2"/>
+                </a:solidFill>
+              </a:rPr>
+              <a:t> padding-box;</a:t>
+            </a:r>
+          </a:p>
+          <a:p>
+            <a:r>
+              <a:rPr lang="en-US">
+                <a:solidFill>
+                  <a:schemeClr val="accent2"/>
+                </a:solidFill>
+              </a:rPr>
+              <a:t> </a:t>
+            </a:r>
+            <a:r>
+              <a:rPr lang="en-US" smtClean="0">
+                <a:solidFill>
+                  <a:schemeClr val="accent2"/>
+                </a:solidFill>
+              </a:rPr>
+              <a:t>background-origin:</a:t>
+            </a:r>
+            <a:r>
+              <a:rPr lang="en-US" dirty="0">
+                <a:solidFill>
+                  <a:schemeClr val="accent2"/>
+                </a:solidFill>
+              </a:rPr>
+              <a:t> content-box;</a:t>
+            </a:r>
+          </a:p>
+          <a:p>
+            <a:pPr algn="just"/>
+            <a:endParaRPr lang="en-IN" dirty="0" smtClean="0"/>
+          </a:p>
+          <a:p>
+            <a:pPr algn="just"/>
+            <a:endParaRPr lang="en-IN" dirty="0" smtClean="0"/>
+          </a:p>
+          <a:p>
+            <a:pPr algn="just"/>
+            <a:endParaRPr lang="en-IN" dirty="0"/>
+          </a:p>
+        </p:txBody>
+      </p:sp>
+      <p:sp>
+        <p:nvSpPr>
+          <p:cNvPr id="2" name="Title 1"/>
+          <p:cNvSpPr>
+            <a:spLocks noGrp="1"/>
+          </p:cNvSpPr>
+          <p:nvPr>
+            <p:ph type="title"/>
+          </p:nvPr>
+        </p:nvSpPr>
+        <p:spPr/>
+        <p:txBody>
+          <a:bodyPr>
+            <a:normAutofit/>
+          </a:bodyPr>
+          <a:lstStyle/>
+          <a:p>
+            <a:r>
+              <a:rPr lang="en-IN" dirty="0" smtClean="0"/>
+              <a:t>Background-origin</a:t>
+            </a:r>
+            <a:endParaRPr lang="en-IN" dirty="0"/>
+          </a:p>
+        </p:txBody>
+      </p:sp>
+    </p:spTree>
+    <p:extLst>
+      <p:ext uri="{BB962C8B-B14F-4D97-AF65-F5344CB8AC3E}">
+        <p14:creationId xmlns:p14="http://schemas.microsoft.com/office/powerpoint/2010/main" val="4201290341"/>
+      </p:ext>
+    </p:extLst>
+  </p:cSld>
+  <p:clrMapOvr>
+    <a:masterClrMapping/>
+  </p:clrMapOvr>
+  <p:timing>
+    <p:tnLst>
+      <p:par>
+        <p:cTn id="1" dur="indefinite" restart="never" nodeType="tmRoot"/>
+      </p:par>
+    </p:tnLst>
+  </p:timing>
+</p:sld>
+</file>
+
+<file path=ppt/slides/slide17.xml><?xml version="1.0" encoding="utf-8"?>
+<p:sld xmlns:a="http://schemas.openxmlformats.org/drawingml/2006/main" xmlns:r="http://schemas.openxmlformats.org/officeDocument/2006/relationships" xmlns:p="http://schemas.openxmlformats.org/presentationml/2006/main">
+  <p:cSld>
+    <p:spTree>
+      <p:nvGrpSpPr>
+        <p:cNvPr id="1" name=""/>
+        <p:cNvGrpSpPr/>
+        <p:nvPr/>
+      </p:nvGrpSpPr>
+      <p:grpSpPr>
+        <a:xfrm>
+          <a:off x="0" y="0"/>
+          <a:ext cx="0" cy="0"/>
+          <a:chOff x="0" y="0"/>
+          <a:chExt cx="0" cy="0"/>
+        </a:xfrm>
+      </p:grpSpPr>
+      <p:sp>
+        <p:nvSpPr>
+          <p:cNvPr id="3" name="Content Placeholder 2"/>
+          <p:cNvSpPr>
+            <a:spLocks noGrp="1"/>
+          </p:cNvSpPr>
+          <p:nvPr>
+            <p:ph idx="1"/>
+          </p:nvPr>
+        </p:nvSpPr>
+        <p:spPr/>
+        <p:txBody>
+          <a:bodyPr>
+            <a:normAutofit/>
+          </a:bodyPr>
+          <a:lstStyle/>
+          <a:p>
+            <a:pPr algn="just"/>
+            <a:r>
               <a:rPr lang="en-IN" sz="2000" dirty="0" smtClean="0"/>
               <a:t>You can add multiple background images to a element.  The following is the syntax for do it.</a:t>
             </a:r>
@@ -6277,7 +6709,7 @@
 </p:sld>
 </file>
 
-<file path=ppt/slides/slide15.xml><?xml version="1.0" encoding="utf-8"?>
+<file path=ppt/slides/slide18.xml><?xml version="1.0" encoding="utf-8"?>
 <p:sld xmlns:a="http://schemas.openxmlformats.org/drawingml/2006/main" xmlns:r="http://schemas.openxmlformats.org/officeDocument/2006/relationships" xmlns:p="http://schemas.openxmlformats.org/presentationml/2006/main">
   <p:cSld>
     <p:spTree>
@@ -6403,7 +6835,6 @@
               <a:rPr lang="en-IN" dirty="0" smtClean="0"/>
               <a:t>What is Background in CSS?</a:t>
             </a:r>
-            <a:endParaRPr lang="en-IN" dirty="0" smtClean="0"/>
           </a:p>
           <a:p>
             <a:r>
@@ -6414,11 +6845,7 @@
           <a:p>
             <a:r>
               <a:rPr lang="en-IN" dirty="0"/>
-              <a:t>CSS </a:t>
-            </a:r>
-            <a:r>
-              <a:rPr lang="en-IN" dirty="0"/>
-              <a:t> Gradients</a:t>
+              <a:t>CSS  Gradients</a:t>
             </a:r>
           </a:p>
           <a:p>
@@ -6453,7 +6880,6 @@
               <a:rPr lang="en-IN" dirty="0" smtClean="0"/>
               <a:t>Background Image</a:t>
             </a:r>
-            <a:endParaRPr lang="en-IN" dirty="0" smtClean="0"/>
           </a:p>
           <a:p>
             <a:r>
@@ -6501,6 +6927,13 @@
             <a:r>
               <a:rPr lang="en-IN" dirty="0" smtClean="0"/>
               <a:t>Background-origin</a:t>
+            </a:r>
+          </a:p>
+          <a:p>
+            <a:pPr lvl="1"/>
+            <a:r>
+              <a:rPr lang="en-IN" dirty="0" smtClean="0"/>
+              <a:t>Background with multiple images.</a:t>
             </a:r>
             <a:endParaRPr lang="en-IN" dirty="0" smtClean="0"/>
           </a:p>
@@ -7778,7 +8211,6 @@
               <a:rPr lang="en-IN" sz="3600" dirty="0"/>
               <a:t>Syntax</a:t>
             </a:r>
-            <a:endParaRPr lang="en-IN" sz="3600" dirty="0"/>
           </a:p>
         </p:txBody>
       </p:sp>
